--- a/Krav og Design/Rigt Billede.pptx
+++ b/Krav og Design/Rigt Billede.pptx
@@ -104,6 +104,11 @@
       </a:defRPr>
     </a:lvl9pPr>
   </p:defaultTextStyle>
+  <p:extLst>
+    <p:ext uri="{EFAFB233-063F-42B5-8137-9DF3F51BA10A}">
+      <p15:sldGuideLst xmlns:p15="http://schemas.microsoft.com/office/powerpoint/2012/main"/>
+    </p:ext>
+  </p:extLst>
 </p:presentation>
 </file>
 
@@ -4245,7 +4250,7 @@
           <a:p>
             <a:r>
               <a:rPr lang="da-DK" dirty="0" err="1"/>
-              <a:t>Kommunicating</a:t>
+              <a:t>Communicating</a:t>
             </a:r>
             <a:r>
               <a:rPr lang="da-DK" dirty="0"/>

--- a/Krav og Design/Rigt Billede.pptx
+++ b/Krav og Design/Rigt Billede.pptx
@@ -259,7 +259,7 @@
           <a:p>
             <a:fld id="{0A0C5BEC-5E33-4792-958F-866D2BF64452}" type="datetimeFigureOut">
               <a:rPr lang="da-DK" smtClean="0"/>
-              <a:t>11-03-2019</a:t>
+              <a:t>27-05-2019</a:t>
             </a:fld>
             <a:endParaRPr lang="da-DK"/>
           </a:p>
@@ -457,7 +457,7 @@
           <a:p>
             <a:fld id="{0A0C5BEC-5E33-4792-958F-866D2BF64452}" type="datetimeFigureOut">
               <a:rPr lang="da-DK" smtClean="0"/>
-              <a:t>11-03-2019</a:t>
+              <a:t>27-05-2019</a:t>
             </a:fld>
             <a:endParaRPr lang="da-DK"/>
           </a:p>
@@ -665,7 +665,7 @@
           <a:p>
             <a:fld id="{0A0C5BEC-5E33-4792-958F-866D2BF64452}" type="datetimeFigureOut">
               <a:rPr lang="da-DK" smtClean="0"/>
-              <a:t>11-03-2019</a:t>
+              <a:t>27-05-2019</a:t>
             </a:fld>
             <a:endParaRPr lang="da-DK"/>
           </a:p>
@@ -863,7 +863,7 @@
           <a:p>
             <a:fld id="{0A0C5BEC-5E33-4792-958F-866D2BF64452}" type="datetimeFigureOut">
               <a:rPr lang="da-DK" smtClean="0"/>
-              <a:t>11-03-2019</a:t>
+              <a:t>27-05-2019</a:t>
             </a:fld>
             <a:endParaRPr lang="da-DK"/>
           </a:p>
@@ -1138,7 +1138,7 @@
           <a:p>
             <a:fld id="{0A0C5BEC-5E33-4792-958F-866D2BF64452}" type="datetimeFigureOut">
               <a:rPr lang="da-DK" smtClean="0"/>
-              <a:t>11-03-2019</a:t>
+              <a:t>27-05-2019</a:t>
             </a:fld>
             <a:endParaRPr lang="da-DK"/>
           </a:p>
@@ -1403,7 +1403,7 @@
           <a:p>
             <a:fld id="{0A0C5BEC-5E33-4792-958F-866D2BF64452}" type="datetimeFigureOut">
               <a:rPr lang="da-DK" smtClean="0"/>
-              <a:t>11-03-2019</a:t>
+              <a:t>27-05-2019</a:t>
             </a:fld>
             <a:endParaRPr lang="da-DK"/>
           </a:p>
@@ -1815,7 +1815,7 @@
           <a:p>
             <a:fld id="{0A0C5BEC-5E33-4792-958F-866D2BF64452}" type="datetimeFigureOut">
               <a:rPr lang="da-DK" smtClean="0"/>
-              <a:t>11-03-2019</a:t>
+              <a:t>27-05-2019</a:t>
             </a:fld>
             <a:endParaRPr lang="da-DK"/>
           </a:p>
@@ -1956,7 +1956,7 @@
           <a:p>
             <a:fld id="{0A0C5BEC-5E33-4792-958F-866D2BF64452}" type="datetimeFigureOut">
               <a:rPr lang="da-DK" smtClean="0"/>
-              <a:t>11-03-2019</a:t>
+              <a:t>27-05-2019</a:t>
             </a:fld>
             <a:endParaRPr lang="da-DK"/>
           </a:p>
@@ -2069,7 +2069,7 @@
           <a:p>
             <a:fld id="{0A0C5BEC-5E33-4792-958F-866D2BF64452}" type="datetimeFigureOut">
               <a:rPr lang="da-DK" smtClean="0"/>
-              <a:t>11-03-2019</a:t>
+              <a:t>27-05-2019</a:t>
             </a:fld>
             <a:endParaRPr lang="da-DK"/>
           </a:p>
@@ -2380,7 +2380,7 @@
           <a:p>
             <a:fld id="{0A0C5BEC-5E33-4792-958F-866D2BF64452}" type="datetimeFigureOut">
               <a:rPr lang="da-DK" smtClean="0"/>
-              <a:t>11-03-2019</a:t>
+              <a:t>27-05-2019</a:t>
             </a:fld>
             <a:endParaRPr lang="da-DK"/>
           </a:p>
@@ -2668,7 +2668,7 @@
           <a:p>
             <a:fld id="{0A0C5BEC-5E33-4792-958F-866D2BF64452}" type="datetimeFigureOut">
               <a:rPr lang="da-DK" smtClean="0"/>
-              <a:t>11-03-2019</a:t>
+              <a:t>27-05-2019</a:t>
             </a:fld>
             <a:endParaRPr lang="da-DK"/>
           </a:p>
@@ -2909,7 +2909,7 @@
           <a:p>
             <a:fld id="{0A0C5BEC-5E33-4792-958F-866D2BF64452}" type="datetimeFigureOut">
               <a:rPr lang="da-DK" smtClean="0"/>
-              <a:t>11-03-2019</a:t>
+              <a:t>27-05-2019</a:t>
             </a:fld>
             <a:endParaRPr lang="da-DK"/>
           </a:p>
@@ -3400,7 +3400,7 @@
         </p:blipFill>
         <p:spPr bwMode="auto">
           <a:xfrm>
-            <a:off x="2499919" y="2956734"/>
+            <a:off x="2453812" y="3226006"/>
             <a:ext cx="741890" cy="1367406"/>
           </a:xfrm>
           <a:prstGeom prst="rect">
@@ -3447,7 +3447,7 @@
         </p:blipFill>
         <p:spPr bwMode="auto">
           <a:xfrm>
-            <a:off x="4648118" y="1691544"/>
+            <a:off x="6853890" y="1673485"/>
             <a:ext cx="1386988" cy="922523"/>
           </a:xfrm>
           <a:prstGeom prst="rect">
@@ -3494,7 +3494,7 @@
         </p:blipFill>
         <p:spPr bwMode="auto">
           <a:xfrm>
-            <a:off x="7281910" y="1691544"/>
+            <a:off x="3322635" y="1571004"/>
             <a:ext cx="2098191" cy="1059024"/>
           </a:xfrm>
           <a:prstGeom prst="rect">
@@ -3561,10 +3561,10 @@
       </p:pic>
       <p:pic>
         <p:nvPicPr>
-          <p:cNvPr id="1038" name="Picture 14" descr="Billedresultat for sound icon">
-            <a:extLst>
-              <a:ext uri="{FF2B5EF4-FFF2-40B4-BE49-F238E27FC236}">
-                <a16:creationId xmlns:a16="http://schemas.microsoft.com/office/drawing/2014/main" id="{EE7560BC-61BD-4839-AC9C-0625C29D1258}"/>
+          <p:cNvPr id="1040" name="Picture 16" descr="Billedresultat for motor icon">
+            <a:extLst>
+              <a:ext uri="{FF2B5EF4-FFF2-40B4-BE49-F238E27FC236}">
+                <a16:creationId xmlns:a16="http://schemas.microsoft.com/office/drawing/2014/main" id="{71F614B4-A183-48C5-BF0D-1983AE8D869C}"/>
               </a:ext>
             </a:extLst>
           </p:cNvPr>
@@ -3587,9 +3587,9 @@
           </a:stretch>
         </p:blipFill>
         <p:spPr bwMode="auto">
-          <a:xfrm>
-            <a:off x="7562924" y="5356860"/>
-            <a:ext cx="344514" cy="345233"/>
+          <a:xfrm flipH="1">
+            <a:off x="8548477" y="5326942"/>
+            <a:ext cx="462643" cy="462643"/>
           </a:xfrm>
           <a:prstGeom prst="rect">
             <a:avLst/>
@@ -3608,10 +3608,10 @@
       </p:pic>
       <p:pic>
         <p:nvPicPr>
-          <p:cNvPr id="1040" name="Picture 16" descr="Billedresultat for motor icon">
-            <a:extLst>
-              <a:ext uri="{FF2B5EF4-FFF2-40B4-BE49-F238E27FC236}">
-                <a16:creationId xmlns:a16="http://schemas.microsoft.com/office/drawing/2014/main" id="{71F614B4-A183-48C5-BF0D-1983AE8D869C}"/>
+          <p:cNvPr id="1042" name="Picture 18" descr="Billedresultat for eye icon">
+            <a:extLst>
+              <a:ext uri="{FF2B5EF4-FFF2-40B4-BE49-F238E27FC236}">
+                <a16:creationId xmlns:a16="http://schemas.microsoft.com/office/drawing/2014/main" id="{5A0E0CB5-69AF-464E-82F6-3F8096A331AB}"/>
               </a:ext>
             </a:extLst>
           </p:cNvPr>
@@ -3634,8 +3634,8 @@
           </a:stretch>
         </p:blipFill>
         <p:spPr bwMode="auto">
-          <a:xfrm flipH="1">
-            <a:off x="8548477" y="5326942"/>
+          <a:xfrm>
+            <a:off x="9676645" y="5326942"/>
             <a:ext cx="462643" cy="462643"/>
           </a:xfrm>
           <a:prstGeom prst="rect">
@@ -3653,53 +3653,6 @@
           </a:extLst>
         </p:spPr>
       </p:pic>
-      <p:pic>
-        <p:nvPicPr>
-          <p:cNvPr id="1042" name="Picture 18" descr="Billedresultat for eye icon">
-            <a:extLst>
-              <a:ext uri="{FF2B5EF4-FFF2-40B4-BE49-F238E27FC236}">
-                <a16:creationId xmlns:a16="http://schemas.microsoft.com/office/drawing/2014/main" id="{5A0E0CB5-69AF-464E-82F6-3F8096A331AB}"/>
-              </a:ext>
-            </a:extLst>
-          </p:cNvPr>
-          <p:cNvPicPr>
-            <a:picLocks noChangeAspect="1" noChangeArrowheads="1"/>
-          </p:cNvPicPr>
-          <p:nvPr/>
-        </p:nvPicPr>
-        <p:blipFill>
-          <a:blip r:embed="rId9">
-            <a:extLst>
-              <a:ext uri="{28A0092B-C50C-407E-A947-70E740481C1C}">
-                <a14:useLocalDpi xmlns:a14="http://schemas.microsoft.com/office/drawing/2010/main" val="0"/>
-              </a:ext>
-            </a:extLst>
-          </a:blip>
-          <a:srcRect/>
-          <a:stretch>
-            <a:fillRect/>
-          </a:stretch>
-        </p:blipFill>
-        <p:spPr bwMode="auto">
-          <a:xfrm>
-            <a:off x="9676645" y="5326942"/>
-            <a:ext cx="462643" cy="462643"/>
-          </a:xfrm>
-          <a:prstGeom prst="rect">
-            <a:avLst/>
-          </a:prstGeom>
-          <a:noFill/>
-          <a:extLst>
-            <a:ext uri="{909E8E84-426E-40DD-AFC4-6F175D3DCCD1}">
-              <a14:hiddenFill xmlns:a14="http://schemas.microsoft.com/office/drawing/2010/main">
-                <a:solidFill>
-                  <a:srgbClr val="FFFFFF"/>
-                </a:solidFill>
-              </a14:hiddenFill>
-            </a:ext>
-          </a:extLst>
-        </p:spPr>
-      </p:pic>
       <p:sp>
         <p:nvSpPr>
           <p:cNvPr id="4" name="Pil: højre 3">
@@ -3713,8 +3666,8 @@
           <p:nvPr/>
         </p:nvSpPr>
         <p:spPr>
-          <a:xfrm rot="12549093">
-            <a:off x="3321751" y="4045090"/>
+          <a:xfrm rot="12119961">
+            <a:off x="3333488" y="4169305"/>
             <a:ext cx="867747" cy="475861"/>
           </a:xfrm>
           <a:prstGeom prst="rightArrow">
@@ -3983,12 +3936,15 @@
           <p:nvPr/>
         </p:nvSpPr>
         <p:spPr>
-          <a:xfrm>
-            <a:off x="5144360" y="2894202"/>
-            <a:ext cx="400595" cy="1138121"/>
+          <a:xfrm rot="2693421">
+            <a:off x="6032941" y="2633127"/>
+            <a:ext cx="400595" cy="1603808"/>
           </a:xfrm>
           <a:prstGeom prst="upDownArrow">
-            <a:avLst/>
+            <a:avLst>
+              <a:gd name="adj1" fmla="val 50000"/>
+              <a:gd name="adj2" fmla="val 50000"/>
+            </a:avLst>
           </a:prstGeom>
           <a:noFill/>
           <a:ln w="9525" cap="flat" cmpd="sng" algn="ctr">
@@ -4038,7 +3994,7 @@
         </p:nvSpPr>
         <p:spPr>
           <a:xfrm rot="5400000">
-            <a:off x="6392912" y="1799754"/>
+            <a:off x="5906350" y="1925589"/>
             <a:ext cx="322012" cy="706102"/>
           </a:xfrm>
           <a:prstGeom prst="upDownArrow">
@@ -4092,7 +4048,7 @@
         </p:nvSpPr>
         <p:spPr>
           <a:xfrm>
-            <a:off x="5092118" y="1976636"/>
+            <a:off x="7231313" y="1976636"/>
             <a:ext cx="687897" cy="369332"/>
           </a:xfrm>
           <a:prstGeom prst="rect">
@@ -4107,10 +4063,9 @@
           <a:lstStyle/>
           <a:p>
             <a:r>
-              <a:rPr lang="da-DK" dirty="0" err="1"/>
+              <a:rPr lang="da-DK" dirty="0"/>
               <a:t>RPi</a:t>
             </a:r>
-            <a:endParaRPr lang="da-DK" dirty="0"/>
           </a:p>
         </p:txBody>
       </p:sp>
@@ -4128,7 +4083,7 @@
         </p:nvSpPr>
         <p:spPr>
           <a:xfrm>
-            <a:off x="4389440" y="1318059"/>
+            <a:off x="6646043" y="1360132"/>
             <a:ext cx="2093252" cy="307777"/>
           </a:xfrm>
           <a:prstGeom prst="rect">
@@ -4163,7 +4118,7 @@
         </p:nvSpPr>
         <p:spPr>
           <a:xfrm>
-            <a:off x="6255999" y="1671217"/>
+            <a:off x="5769437" y="1797052"/>
             <a:ext cx="595837" cy="307777"/>
           </a:xfrm>
           <a:prstGeom prst="rect">
@@ -4198,7 +4153,7 @@
         </p:nvSpPr>
         <p:spPr>
           <a:xfrm>
-            <a:off x="3714200" y="3789727"/>
+            <a:off x="3579833" y="3842128"/>
             <a:ext cx="741891" cy="307777"/>
           </a:xfrm>
           <a:prstGeom prst="rect">
@@ -4213,10 +4168,9 @@
           <a:lstStyle/>
           <a:p>
             <a:r>
-              <a:rPr lang="da-DK" sz="1400" dirty="0" err="1"/>
+              <a:rPr lang="da-DK" sz="1400" dirty="0"/>
               <a:t>Follow</a:t>
             </a:r>
-            <a:endParaRPr lang="da-DK" sz="1400" dirty="0"/>
           </a:p>
         </p:txBody>
       </p:sp>
@@ -4234,7 +4188,7 @@
         </p:nvSpPr>
         <p:spPr>
           <a:xfrm>
-            <a:off x="5544955" y="3160923"/>
+            <a:off x="6794352" y="3042203"/>
             <a:ext cx="1681347" cy="646331"/>
           </a:xfrm>
           <a:prstGeom prst="rect">
@@ -4249,12 +4203,8 @@
           <a:lstStyle/>
           <a:p>
             <a:r>
-              <a:rPr lang="da-DK" dirty="0" err="1"/>
-              <a:t>Communicating</a:t>
-            </a:r>
-            <a:r>
               <a:rPr lang="da-DK" dirty="0"/>
-              <a:t> With</a:t>
+              <a:t>Communicating With</a:t>
             </a:r>
           </a:p>
         </p:txBody>
@@ -4288,12 +4238,8 @@
           <a:lstStyle/>
           <a:p>
             <a:r>
-              <a:rPr lang="da-DK" dirty="0" err="1"/>
-              <a:t>Controlled</a:t>
-            </a:r>
-            <a:r>
               <a:rPr lang="da-DK" dirty="0"/>
-              <a:t> by</a:t>
+              <a:t>Controlled by</a:t>
             </a:r>
           </a:p>
         </p:txBody>
@@ -4327,19 +4273,18 @@
           <a:lstStyle/>
           <a:p>
             <a:r>
-              <a:rPr lang="da-DK" dirty="0" err="1"/>
+              <a:rPr lang="da-DK" dirty="0"/>
               <a:t>Microcontroller</a:t>
             </a:r>
-            <a:endParaRPr lang="da-DK" dirty="0"/>
-          </a:p>
-        </p:txBody>
-      </p:sp>
-      <p:sp>
-        <p:nvSpPr>
-          <p:cNvPr id="13" name="Tekstfelt 12">
-            <a:extLst>
-              <a:ext uri="{FF2B5EF4-FFF2-40B4-BE49-F238E27FC236}">
-                <a16:creationId xmlns:a16="http://schemas.microsoft.com/office/drawing/2014/main" id="{1B46F5F7-88D7-4A9F-B280-3184B23B34EA}"/>
+          </a:p>
+        </p:txBody>
+      </p:sp>
+      <p:sp>
+        <p:nvSpPr>
+          <p:cNvPr id="18" name="Tekstfelt 17">
+            <a:extLst>
+              <a:ext uri="{FF2B5EF4-FFF2-40B4-BE49-F238E27FC236}">
+                <a16:creationId xmlns:a16="http://schemas.microsoft.com/office/drawing/2014/main" id="{F354A8E8-9967-432F-91A5-D6D310B83308}"/>
               </a:ext>
             </a:extLst>
           </p:cNvPr>
@@ -4348,8 +4293,8 @@
         </p:nvSpPr>
         <p:spPr>
           <a:xfrm>
-            <a:off x="7419118" y="5652952"/>
-            <a:ext cx="855677" cy="307777"/>
+            <a:off x="8448452" y="5685826"/>
+            <a:ext cx="714366" cy="307777"/>
           </a:xfrm>
           <a:prstGeom prst="rect">
             <a:avLst/>
@@ -4364,18 +4309,17 @@
           <a:p>
             <a:r>
               <a:rPr lang="da-DK" sz="1400" dirty="0"/>
-              <a:t>Sound</a:t>
-            </a:r>
-            <a:endParaRPr lang="da-DK" dirty="0"/>
-          </a:p>
-        </p:txBody>
-      </p:sp>
-      <p:sp>
-        <p:nvSpPr>
-          <p:cNvPr id="18" name="Tekstfelt 17">
-            <a:extLst>
-              <a:ext uri="{FF2B5EF4-FFF2-40B4-BE49-F238E27FC236}">
-                <a16:creationId xmlns:a16="http://schemas.microsoft.com/office/drawing/2014/main" id="{F354A8E8-9967-432F-91A5-D6D310B83308}"/>
+              <a:t>Motor</a:t>
+            </a:r>
+          </a:p>
+        </p:txBody>
+      </p:sp>
+      <p:sp>
+        <p:nvSpPr>
+          <p:cNvPr id="21" name="Tekstfelt 20">
+            <a:extLst>
+              <a:ext uri="{FF2B5EF4-FFF2-40B4-BE49-F238E27FC236}">
+                <a16:creationId xmlns:a16="http://schemas.microsoft.com/office/drawing/2014/main" id="{8E90D212-782B-42A6-99D6-308C23F7FE37}"/>
               </a:ext>
             </a:extLst>
           </p:cNvPr>
@@ -4384,8 +4328,8 @@
         </p:nvSpPr>
         <p:spPr>
           <a:xfrm>
-            <a:off x="8448452" y="5685826"/>
-            <a:ext cx="714366" cy="307777"/>
+            <a:off x="9595505" y="5710426"/>
+            <a:ext cx="985763" cy="307777"/>
           </a:xfrm>
           <a:prstGeom prst="rect">
             <a:avLst/>
@@ -4400,17 +4344,17 @@
           <a:p>
             <a:r>
               <a:rPr lang="da-DK" sz="1400" dirty="0"/>
-              <a:t>Motor</a:t>
-            </a:r>
-          </a:p>
-        </p:txBody>
-      </p:sp>
-      <p:sp>
-        <p:nvSpPr>
-          <p:cNvPr id="21" name="Tekstfelt 20">
-            <a:extLst>
-              <a:ext uri="{FF2B5EF4-FFF2-40B4-BE49-F238E27FC236}">
-                <a16:creationId xmlns:a16="http://schemas.microsoft.com/office/drawing/2014/main" id="{8E90D212-782B-42A6-99D6-308C23F7FE37}"/>
+              <a:t>Sensor</a:t>
+            </a:r>
+          </a:p>
+        </p:txBody>
+      </p:sp>
+      <p:sp>
+        <p:nvSpPr>
+          <p:cNvPr id="32" name="Tekstfelt 31">
+            <a:extLst>
+              <a:ext uri="{FF2B5EF4-FFF2-40B4-BE49-F238E27FC236}">
+                <a16:creationId xmlns:a16="http://schemas.microsoft.com/office/drawing/2014/main" id="{4F1CE215-113E-4E9D-BFF5-CBA637E08ED8}"/>
               </a:ext>
             </a:extLst>
           </p:cNvPr>
@@ -4419,8 +4363,8 @@
         </p:nvSpPr>
         <p:spPr>
           <a:xfrm>
-            <a:off x="9595505" y="5710426"/>
-            <a:ext cx="985763" cy="307777"/>
+            <a:off x="10046060" y="4929343"/>
+            <a:ext cx="780099" cy="307777"/>
           </a:xfrm>
           <a:prstGeom prst="rect">
             <a:avLst/>
@@ -4435,17 +4379,17 @@
           <a:p>
             <a:r>
               <a:rPr lang="da-DK" sz="1400" dirty="0"/>
-              <a:t>Sensor</a:t>
-            </a:r>
-          </a:p>
-        </p:txBody>
-      </p:sp>
-      <p:sp>
-        <p:nvSpPr>
-          <p:cNvPr id="22" name="Tekstfelt 21">
-            <a:extLst>
-              <a:ext uri="{FF2B5EF4-FFF2-40B4-BE49-F238E27FC236}">
-                <a16:creationId xmlns:a16="http://schemas.microsoft.com/office/drawing/2014/main" id="{A25052C3-63C8-4861-9978-F800462436B7}"/>
+              <a:t>Using</a:t>
+            </a:r>
+          </a:p>
+        </p:txBody>
+      </p:sp>
+      <p:sp>
+        <p:nvSpPr>
+          <p:cNvPr id="33" name="Tekstfelt 32">
+            <a:extLst>
+              <a:ext uri="{FF2B5EF4-FFF2-40B4-BE49-F238E27FC236}">
+                <a16:creationId xmlns:a16="http://schemas.microsoft.com/office/drawing/2014/main" id="{81FC89CC-FC66-4882-A150-54039744489D}"/>
               </a:ext>
             </a:extLst>
           </p:cNvPr>
@@ -4454,8 +4398,8 @@
         </p:nvSpPr>
         <p:spPr>
           <a:xfrm>
-            <a:off x="8804201" y="4912565"/>
-            <a:ext cx="985763" cy="307777"/>
+            <a:off x="7827014" y="4921521"/>
+            <a:ext cx="780099" cy="307777"/>
           </a:xfrm>
           <a:prstGeom prst="rect">
             <a:avLst/>
@@ -4469,19 +4413,18 @@
           <a:lstStyle/>
           <a:p>
             <a:r>
-              <a:rPr lang="da-DK" sz="1400" dirty="0" err="1"/>
-              <a:t>controlling</a:t>
-            </a:r>
-            <a:endParaRPr lang="da-DK" sz="1400" dirty="0"/>
-          </a:p>
-        </p:txBody>
-      </p:sp>
-      <p:sp>
-        <p:nvSpPr>
-          <p:cNvPr id="32" name="Tekstfelt 31">
-            <a:extLst>
-              <a:ext uri="{FF2B5EF4-FFF2-40B4-BE49-F238E27FC236}">
-                <a16:creationId xmlns:a16="http://schemas.microsoft.com/office/drawing/2014/main" id="{4F1CE215-113E-4E9D-BFF5-CBA637E08ED8}"/>
+              <a:rPr lang="da-DK" sz="1400" dirty="0"/>
+              <a:t>Using</a:t>
+            </a:r>
+          </a:p>
+        </p:txBody>
+      </p:sp>
+      <p:sp>
+        <p:nvSpPr>
+          <p:cNvPr id="23" name="Tekstfelt 22">
+            <a:extLst>
+              <a:ext uri="{FF2B5EF4-FFF2-40B4-BE49-F238E27FC236}">
+                <a16:creationId xmlns:a16="http://schemas.microsoft.com/office/drawing/2014/main" id="{79BDC25E-97A1-4D71-ABE3-53E9252010F7}"/>
               </a:ext>
             </a:extLst>
           </p:cNvPr>
@@ -4490,8 +4433,8 @@
         </p:nvSpPr>
         <p:spPr>
           <a:xfrm>
-            <a:off x="10046060" y="4929343"/>
-            <a:ext cx="780099" cy="307777"/>
+            <a:off x="3276966" y="1200706"/>
+            <a:ext cx="2189527" cy="307777"/>
           </a:xfrm>
           <a:prstGeom prst="rect">
             <a:avLst/>
@@ -4506,17 +4449,17 @@
           <a:p>
             <a:r>
               <a:rPr lang="da-DK" sz="1400" dirty="0"/>
-              <a:t>Using</a:t>
-            </a:r>
-          </a:p>
-        </p:txBody>
-      </p:sp>
-      <p:sp>
-        <p:nvSpPr>
-          <p:cNvPr id="33" name="Tekstfelt 32">
-            <a:extLst>
-              <a:ext uri="{FF2B5EF4-FFF2-40B4-BE49-F238E27FC236}">
-                <a16:creationId xmlns:a16="http://schemas.microsoft.com/office/drawing/2014/main" id="{81FC89CC-FC66-4882-A150-54039744489D}"/>
+              <a:t>Interface</a:t>
+            </a:r>
+          </a:p>
+        </p:txBody>
+      </p:sp>
+      <p:sp>
+        <p:nvSpPr>
+          <p:cNvPr id="24" name="Tekstfelt 23">
+            <a:extLst>
+              <a:ext uri="{FF2B5EF4-FFF2-40B4-BE49-F238E27FC236}">
+                <a16:creationId xmlns:a16="http://schemas.microsoft.com/office/drawing/2014/main" id="{127AD6B4-C045-4940-89D7-7BFF8B68C6B0}"/>
               </a:ext>
             </a:extLst>
           </p:cNvPr>
@@ -4525,8 +4468,8 @@
         </p:nvSpPr>
         <p:spPr>
           <a:xfrm>
-            <a:off x="7827014" y="4921521"/>
-            <a:ext cx="780099" cy="307777"/>
+            <a:off x="2557746" y="4488196"/>
+            <a:ext cx="741891" cy="307777"/>
           </a:xfrm>
           <a:prstGeom prst="rect">
             <a:avLst/>
@@ -4540,19 +4483,18 @@
           <a:lstStyle/>
           <a:p>
             <a:r>
-              <a:rPr lang="da-DK" sz="1400" dirty="0" err="1"/>
-              <a:t>playing</a:t>
-            </a:r>
-            <a:endParaRPr lang="da-DK" sz="1400" dirty="0"/>
-          </a:p>
-        </p:txBody>
-      </p:sp>
-      <p:sp>
-        <p:nvSpPr>
-          <p:cNvPr id="23" name="Tekstfelt 22">
-            <a:extLst>
-              <a:ext uri="{FF2B5EF4-FFF2-40B4-BE49-F238E27FC236}">
-                <a16:creationId xmlns:a16="http://schemas.microsoft.com/office/drawing/2014/main" id="{79BDC25E-97A1-4D71-ABE3-53E9252010F7}"/>
+              <a:rPr lang="da-DK" sz="1400" dirty="0"/>
+              <a:t>User</a:t>
+            </a:r>
+          </a:p>
+        </p:txBody>
+      </p:sp>
+      <p:sp>
+        <p:nvSpPr>
+          <p:cNvPr id="25" name="Tekstfelt 24">
+            <a:extLst>
+              <a:ext uri="{FF2B5EF4-FFF2-40B4-BE49-F238E27FC236}">
+                <a16:creationId xmlns:a16="http://schemas.microsoft.com/office/drawing/2014/main" id="{9EE2B1D4-41A9-4A99-A943-2C424A55A0B2}"/>
               </a:ext>
             </a:extLst>
           </p:cNvPr>
@@ -4561,8 +4503,8 @@
         </p:nvSpPr>
         <p:spPr>
           <a:xfrm>
-            <a:off x="7892510" y="1349825"/>
-            <a:ext cx="2189527" cy="307777"/>
+            <a:off x="4664443" y="5527566"/>
+            <a:ext cx="989638" cy="307777"/>
           </a:xfrm>
           <a:prstGeom prst="rect">
             <a:avLst/>
@@ -4577,17 +4519,18 @@
           <a:p>
             <a:r>
               <a:rPr lang="da-DK" sz="1400" dirty="0"/>
-              <a:t>Interface</a:t>
-            </a:r>
-          </a:p>
-        </p:txBody>
-      </p:sp>
-      <p:sp>
-        <p:nvSpPr>
-          <p:cNvPr id="24" name="Tekstfelt 23">
-            <a:extLst>
-              <a:ext uri="{FF2B5EF4-FFF2-40B4-BE49-F238E27FC236}">
-                <a16:creationId xmlns:a16="http://schemas.microsoft.com/office/drawing/2014/main" id="{127AD6B4-C045-4940-89D7-7BFF8B68C6B0}"/>
+              <a:t>Robot</a:t>
+            </a:r>
+            <a:endParaRPr lang="da-DK" dirty="0"/>
+          </a:p>
+        </p:txBody>
+      </p:sp>
+      <p:sp>
+        <p:nvSpPr>
+          <p:cNvPr id="26" name="Tekstfelt 25">
+            <a:extLst>
+              <a:ext uri="{FF2B5EF4-FFF2-40B4-BE49-F238E27FC236}">
+                <a16:creationId xmlns:a16="http://schemas.microsoft.com/office/drawing/2014/main" id="{3E710D78-4CD8-4DA7-AC03-96FA26BFC5F0}"/>
               </a:ext>
             </a:extLst>
           </p:cNvPr>
@@ -4596,8 +4539,8 @@
         </p:nvSpPr>
         <p:spPr>
           <a:xfrm>
-            <a:off x="2650920" y="2621435"/>
-            <a:ext cx="741891" cy="307777"/>
+            <a:off x="5241343" y="628808"/>
+            <a:ext cx="2809399" cy="369332"/>
           </a:xfrm>
           <a:prstGeom prst="rect">
             <a:avLst/>
@@ -4611,85 +4554,9 @@
           <a:lstStyle/>
           <a:p>
             <a:r>
-              <a:rPr lang="da-DK" sz="1400" dirty="0"/>
-              <a:t>User</a:t>
-            </a:r>
-          </a:p>
-        </p:txBody>
-      </p:sp>
-      <p:sp>
-        <p:nvSpPr>
-          <p:cNvPr id="25" name="Tekstfelt 24">
-            <a:extLst>
-              <a:ext uri="{FF2B5EF4-FFF2-40B4-BE49-F238E27FC236}">
-                <a16:creationId xmlns:a16="http://schemas.microsoft.com/office/drawing/2014/main" id="{9EE2B1D4-41A9-4A99-A943-2C424A55A0B2}"/>
-              </a:ext>
-            </a:extLst>
-          </p:cNvPr>
-          <p:cNvSpPr txBox="1"/>
-          <p:nvPr/>
-        </p:nvSpPr>
-        <p:spPr>
-          <a:xfrm>
-            <a:off x="4664443" y="5527566"/>
-            <a:ext cx="989638" cy="307777"/>
-          </a:xfrm>
-          <a:prstGeom prst="rect">
-            <a:avLst/>
-          </a:prstGeom>
-          <a:noFill/>
-        </p:spPr>
-        <p:txBody>
-          <a:bodyPr wrap="square" rtlCol="0">
-            <a:spAutoFit/>
-          </a:bodyPr>
-          <a:lstStyle/>
-          <a:p>
-            <a:r>
-              <a:rPr lang="da-DK" sz="1400" dirty="0"/>
-              <a:t>Robot</a:t>
-            </a:r>
-            <a:endParaRPr lang="da-DK" dirty="0"/>
-          </a:p>
-        </p:txBody>
-      </p:sp>
-      <p:sp>
-        <p:nvSpPr>
-          <p:cNvPr id="26" name="Tekstfelt 25">
-            <a:extLst>
-              <a:ext uri="{FF2B5EF4-FFF2-40B4-BE49-F238E27FC236}">
-                <a16:creationId xmlns:a16="http://schemas.microsoft.com/office/drawing/2014/main" id="{3E710D78-4CD8-4DA7-AC03-96FA26BFC5F0}"/>
-              </a:ext>
-            </a:extLst>
-          </p:cNvPr>
-          <p:cNvSpPr txBox="1"/>
-          <p:nvPr/>
-        </p:nvSpPr>
-        <p:spPr>
-          <a:xfrm>
-            <a:off x="4456091" y="639439"/>
-            <a:ext cx="3001261" cy="369332"/>
-          </a:xfrm>
-          <a:prstGeom prst="rect">
-            <a:avLst/>
-          </a:prstGeom>
-          <a:noFill/>
-        </p:spPr>
-        <p:txBody>
-          <a:bodyPr wrap="square" rtlCol="0">
-            <a:spAutoFit/>
-          </a:bodyPr>
-          <a:lstStyle/>
-          <a:p>
-            <a:r>
               <a:rPr lang="da-DK" dirty="0"/>
-              <a:t>Semesterprojekt 4 - </a:t>
-            </a:r>
-            <a:r>
-              <a:rPr lang="da-DK" dirty="0" err="1"/>
-              <a:t>iFollow</a:t>
-            </a:r>
-            <a:endParaRPr lang="da-DK" dirty="0"/>
+              <a:t>Semesterprojekt 4 - iFollow</a:t>
+            </a:r>
           </a:p>
         </p:txBody>
       </p:sp>
@@ -4744,6 +4611,218 @@
           <a:p>
             <a:pPr algn="ctr"/>
             <a:endParaRPr lang="da-DK"/>
+          </a:p>
+        </p:txBody>
+      </p:sp>
+      <p:pic>
+        <p:nvPicPr>
+          <p:cNvPr id="2" name="Picture 2" descr="Billedresultat for gps icon transparent">
+            <a:extLst>
+              <a:ext uri="{FF2B5EF4-FFF2-40B4-BE49-F238E27FC236}">
+                <a16:creationId xmlns:a16="http://schemas.microsoft.com/office/drawing/2014/main" id="{0E9315DC-3A25-4DC7-B8C4-8A53A8AF03F7}"/>
+              </a:ext>
+            </a:extLst>
+          </p:cNvPr>
+          <p:cNvPicPr>
+            <a:picLocks noChangeAspect="1" noChangeArrowheads="1"/>
+          </p:cNvPicPr>
+          <p:nvPr/>
+        </p:nvPicPr>
+        <p:blipFill>
+          <a:blip r:embed="rId9">
+            <a:extLst>
+              <a:ext uri="{28A0092B-C50C-407E-A947-70E740481C1C}">
+                <a14:useLocalDpi xmlns:a14="http://schemas.microsoft.com/office/drawing/2010/main" val="0"/>
+              </a:ext>
+            </a:extLst>
+          </a:blip>
+          <a:srcRect/>
+          <a:stretch>
+            <a:fillRect/>
+          </a:stretch>
+        </p:blipFill>
+        <p:spPr bwMode="auto">
+          <a:xfrm>
+            <a:off x="7530983" y="5326001"/>
+            <a:ext cx="408183" cy="408183"/>
+          </a:xfrm>
+          <a:prstGeom prst="rect">
+            <a:avLst/>
+          </a:prstGeom>
+          <a:noFill/>
+          <a:extLst>
+            <a:ext uri="{909E8E84-426E-40DD-AFC4-6F175D3DCCD1}">
+              <a14:hiddenFill xmlns:a14="http://schemas.microsoft.com/office/drawing/2010/main">
+                <a:solidFill>
+                  <a:srgbClr val="FFFFFF"/>
+                </a:solidFill>
+              </a14:hiddenFill>
+            </a:ext>
+          </a:extLst>
+        </p:spPr>
+      </p:pic>
+      <p:sp>
+        <p:nvSpPr>
+          <p:cNvPr id="36" name="Tekstfelt 35">
+            <a:extLst>
+              <a:ext uri="{FF2B5EF4-FFF2-40B4-BE49-F238E27FC236}">
+                <a16:creationId xmlns:a16="http://schemas.microsoft.com/office/drawing/2014/main" id="{50862DC6-3535-45B3-8165-2E8F01571F65}"/>
+              </a:ext>
+            </a:extLst>
+          </p:cNvPr>
+          <p:cNvSpPr txBox="1"/>
+          <p:nvPr/>
+        </p:nvSpPr>
+        <p:spPr>
+          <a:xfrm>
+            <a:off x="7517743" y="5685825"/>
+            <a:ext cx="597900" cy="307777"/>
+          </a:xfrm>
+          <a:prstGeom prst="rect">
+            <a:avLst/>
+          </a:prstGeom>
+          <a:noFill/>
+        </p:spPr>
+        <p:txBody>
+          <a:bodyPr wrap="square" rtlCol="0">
+            <a:spAutoFit/>
+          </a:bodyPr>
+          <a:lstStyle/>
+          <a:p>
+            <a:r>
+              <a:rPr lang="da-DK" sz="1400" dirty="0"/>
+              <a:t>GPS</a:t>
+            </a:r>
+          </a:p>
+        </p:txBody>
+      </p:sp>
+      <p:sp>
+        <p:nvSpPr>
+          <p:cNvPr id="38" name="Pil: opadgående-nedadgående 37">
+            <a:extLst>
+              <a:ext uri="{FF2B5EF4-FFF2-40B4-BE49-F238E27FC236}">
+                <a16:creationId xmlns:a16="http://schemas.microsoft.com/office/drawing/2014/main" id="{30C4BEF6-D5A4-4B9B-94C9-586F6ED90AF5}"/>
+              </a:ext>
+            </a:extLst>
+          </p:cNvPr>
+          <p:cNvSpPr/>
+          <p:nvPr/>
+        </p:nvSpPr>
+        <p:spPr>
+          <a:xfrm rot="2700197">
+            <a:off x="3437257" y="2702514"/>
+            <a:ext cx="322012" cy="810992"/>
+          </a:xfrm>
+          <a:prstGeom prst="upDownArrow">
+            <a:avLst/>
+          </a:prstGeom>
+          <a:noFill/>
+          <a:ln w="9525" cap="flat" cmpd="sng" algn="ctr">
+            <a:solidFill>
+              <a:schemeClr val="dk1"/>
+            </a:solidFill>
+            <a:prstDash val="solid"/>
+            <a:round/>
+            <a:headEnd type="none" w="med" len="med"/>
+            <a:tailEnd type="none" w="med" len="med"/>
+          </a:ln>
+        </p:spPr>
+        <p:style>
+          <a:lnRef idx="0">
+            <a:scrgbClr r="0" g="0" b="0"/>
+          </a:lnRef>
+          <a:fillRef idx="0">
+            <a:scrgbClr r="0" g="0" b="0"/>
+          </a:fillRef>
+          <a:effectRef idx="0">
+            <a:scrgbClr r="0" g="0" b="0"/>
+          </a:effectRef>
+          <a:fontRef idx="minor">
+            <a:schemeClr val="dk1"/>
+          </a:fontRef>
+        </p:style>
+        <p:txBody>
+          <a:bodyPr rtlCol="0" anchor="ctr"/>
+          <a:lstStyle/>
+          <a:p>
+            <a:pPr algn="ctr"/>
+            <a:endParaRPr lang="da-DK"/>
+          </a:p>
+        </p:txBody>
+      </p:sp>
+      <p:sp>
+        <p:nvSpPr>
+          <p:cNvPr id="39" name="Tekstfelt 38">
+            <a:extLst>
+              <a:ext uri="{FF2B5EF4-FFF2-40B4-BE49-F238E27FC236}">
+                <a16:creationId xmlns:a16="http://schemas.microsoft.com/office/drawing/2014/main" id="{A8CE07F5-24E2-487A-82B4-824C4B472CE1}"/>
+              </a:ext>
+            </a:extLst>
+          </p:cNvPr>
+          <p:cNvSpPr txBox="1"/>
+          <p:nvPr/>
+        </p:nvSpPr>
+        <p:spPr>
+          <a:xfrm>
+            <a:off x="3778073" y="2995375"/>
+            <a:ext cx="944168" cy="523220"/>
+          </a:xfrm>
+          <a:prstGeom prst="rect">
+            <a:avLst/>
+          </a:prstGeom>
+          <a:noFill/>
+        </p:spPr>
+        <p:txBody>
+          <a:bodyPr wrap="square" rtlCol="0">
+            <a:spAutoFit/>
+          </a:bodyPr>
+          <a:lstStyle/>
+          <a:p>
+            <a:r>
+              <a:rPr lang="da-DK" sz="1400" dirty="0"/>
+              <a:t>Interacts</a:t>
+            </a:r>
+          </a:p>
+          <a:p>
+            <a:r>
+              <a:rPr lang="da-DK" sz="1400" dirty="0"/>
+              <a:t>with</a:t>
+            </a:r>
+          </a:p>
+        </p:txBody>
+      </p:sp>
+      <p:sp>
+        <p:nvSpPr>
+          <p:cNvPr id="40" name="Tekstfelt 39">
+            <a:extLst>
+              <a:ext uri="{FF2B5EF4-FFF2-40B4-BE49-F238E27FC236}">
+                <a16:creationId xmlns:a16="http://schemas.microsoft.com/office/drawing/2014/main" id="{50ECBB20-AE7A-4535-9F01-72C6C4A08B47}"/>
+              </a:ext>
+            </a:extLst>
+          </p:cNvPr>
+          <p:cNvSpPr txBox="1"/>
+          <p:nvPr/>
+        </p:nvSpPr>
+        <p:spPr>
+          <a:xfrm>
+            <a:off x="8826421" y="4921521"/>
+            <a:ext cx="1022331" cy="307777"/>
+          </a:xfrm>
+          <a:prstGeom prst="rect">
+            <a:avLst/>
+          </a:prstGeom>
+          <a:noFill/>
+        </p:spPr>
+        <p:txBody>
+          <a:bodyPr wrap="square" rtlCol="0">
+            <a:spAutoFit/>
+          </a:bodyPr>
+          <a:lstStyle/>
+          <a:p>
+            <a:r>
+              <a:rPr lang="da-DK" sz="1400" dirty="0"/>
+              <a:t>Controlling</a:t>
+            </a:r>
           </a:p>
         </p:txBody>
       </p:sp>
